--- a/ppt 16-9/1423.另有一安息日.pptx
+++ b/ppt 16-9/1423.另有一安息日.pptx
@@ -5,7 +5,7 @@
     <p:sldMasterId id="2147483648" r:id="rId1"/>
   </p:sldMasterIdLst>
   <p:sldIdLst>
-    <p:sldId id="994" r:id="rId2"/>
+    <p:sldId id="995" r:id="rId2"/>
   </p:sldIdLst>
   <p:sldSz cx="12192000" cy="6858000"/>
   <p:notesSz cx="6858000" cy="9144000"/>
@@ -129,7 +129,7 @@
           <p:cNvPr id="2" name="标题 1">
             <a:extLst>
               <a:ext uri="{FF2B5EF4-FFF2-40B4-BE49-F238E27FC236}">
-                <a16:creationId xmlns:a16="http://schemas.microsoft.com/office/drawing/2014/main" id="{CC6EFD39-A78C-B6A5-76A6-55B2D4440222}"/>
+                <a16:creationId xmlns:a16="http://schemas.microsoft.com/office/drawing/2014/main" id="{4C5EDC48-F494-563D-758C-AAD2DCC265E5}"/>
               </a:ext>
             </a:extLst>
           </p:cNvPr>
@@ -166,7 +166,7 @@
           <p:cNvPr id="3" name="副标题 2">
             <a:extLst>
               <a:ext uri="{FF2B5EF4-FFF2-40B4-BE49-F238E27FC236}">
-                <a16:creationId xmlns:a16="http://schemas.microsoft.com/office/drawing/2014/main" id="{EB526F0E-B1C7-140C-4207-3BC09954ADA9}"/>
+                <a16:creationId xmlns:a16="http://schemas.microsoft.com/office/drawing/2014/main" id="{A4E7C09D-7A36-9709-B204-07741D7A6B3F}"/>
               </a:ext>
             </a:extLst>
           </p:cNvPr>
@@ -236,7 +236,7 @@
           <p:cNvPr id="4" name="日期占位符 3">
             <a:extLst>
               <a:ext uri="{FF2B5EF4-FFF2-40B4-BE49-F238E27FC236}">
-                <a16:creationId xmlns:a16="http://schemas.microsoft.com/office/drawing/2014/main" id="{7142EBCB-F4C0-04C5-1CBF-EF9FE84823D7}"/>
+                <a16:creationId xmlns:a16="http://schemas.microsoft.com/office/drawing/2014/main" id="{C3BF10C7-5190-3694-628E-32161A888F86}"/>
               </a:ext>
             </a:extLst>
           </p:cNvPr>
@@ -252,7 +252,7 @@
           <a:bodyPr/>
           <a:lstStyle/>
           <a:p>
-            <a:fld id="{87FFD4E1-53AF-4CF7-8B5E-285CB4DE077E}" type="datetimeFigureOut">
+            <a:fld id="{B1407C02-36F9-491C-9C98-B4E656758209}" type="datetimeFigureOut">
               <a:rPr lang="zh-CN" altLang="en-US" smtClean="0"/>
               <a:t>2024/3/10</a:t>
             </a:fld>
@@ -265,7 +265,7 @@
           <p:cNvPr id="5" name="页脚占位符 4">
             <a:extLst>
               <a:ext uri="{FF2B5EF4-FFF2-40B4-BE49-F238E27FC236}">
-                <a16:creationId xmlns:a16="http://schemas.microsoft.com/office/drawing/2014/main" id="{B14D95F2-8D9D-038D-1BB8-9669CE4CE27D}"/>
+                <a16:creationId xmlns:a16="http://schemas.microsoft.com/office/drawing/2014/main" id="{58D3612F-0760-F095-A162-BCD4817ADB1C}"/>
               </a:ext>
             </a:extLst>
           </p:cNvPr>
@@ -290,7 +290,7 @@
           <p:cNvPr id="6" name="灯片编号占位符 5">
             <a:extLst>
               <a:ext uri="{FF2B5EF4-FFF2-40B4-BE49-F238E27FC236}">
-                <a16:creationId xmlns:a16="http://schemas.microsoft.com/office/drawing/2014/main" id="{39D8C73A-D0BB-D0E5-9C2E-3EFA45A8B934}"/>
+                <a16:creationId xmlns:a16="http://schemas.microsoft.com/office/drawing/2014/main" id="{02610B13-946B-55FF-C577-AA346B5BE744}"/>
               </a:ext>
             </a:extLst>
           </p:cNvPr>
@@ -306,7 +306,7 @@
           <a:bodyPr/>
           <a:lstStyle/>
           <a:p>
-            <a:fld id="{297052AE-1F78-45CD-890D-F9AD158097F5}" type="slidenum">
+            <a:fld id="{771EEFB8-303A-4F2A-805A-3ABAB7E5592A}" type="slidenum">
               <a:rPr lang="zh-CN" altLang="en-US" smtClean="0"/>
               <a:t>‹#›</a:t>
             </a:fld>
@@ -317,7 +317,7 @@
     </p:spTree>
     <p:extLst>
       <p:ext uri="{BB962C8B-B14F-4D97-AF65-F5344CB8AC3E}">
-        <p14:creationId xmlns:p14="http://schemas.microsoft.com/office/powerpoint/2010/main" val="900045301"/>
+        <p14:creationId xmlns:p14="http://schemas.microsoft.com/office/powerpoint/2010/main" val="2083537876"/>
       </p:ext>
     </p:extLst>
   </p:cSld>
@@ -349,7 +349,7 @@
           <p:cNvPr id="2" name="标题 1">
             <a:extLst>
               <a:ext uri="{FF2B5EF4-FFF2-40B4-BE49-F238E27FC236}">
-                <a16:creationId xmlns:a16="http://schemas.microsoft.com/office/drawing/2014/main" id="{44AD0E7E-816C-10EC-3126-650F51F675DB}"/>
+                <a16:creationId xmlns:a16="http://schemas.microsoft.com/office/drawing/2014/main" id="{DC420BA4-864E-F12F-998A-902264B376E9}"/>
               </a:ext>
             </a:extLst>
           </p:cNvPr>
@@ -377,7 +377,7 @@
           <p:cNvPr id="3" name="竖排文字占位符 2">
             <a:extLst>
               <a:ext uri="{FF2B5EF4-FFF2-40B4-BE49-F238E27FC236}">
-                <a16:creationId xmlns:a16="http://schemas.microsoft.com/office/drawing/2014/main" id="{2F134E10-1DE4-897D-5A8B-91BBCE31D17B}"/>
+                <a16:creationId xmlns:a16="http://schemas.microsoft.com/office/drawing/2014/main" id="{CC43245C-F964-36A7-6BB1-2B7775AA0700}"/>
               </a:ext>
             </a:extLst>
           </p:cNvPr>
@@ -434,7 +434,7 @@
           <p:cNvPr id="4" name="日期占位符 3">
             <a:extLst>
               <a:ext uri="{FF2B5EF4-FFF2-40B4-BE49-F238E27FC236}">
-                <a16:creationId xmlns:a16="http://schemas.microsoft.com/office/drawing/2014/main" id="{3F13519D-4902-EA7C-13F7-13EB0221ED62}"/>
+                <a16:creationId xmlns:a16="http://schemas.microsoft.com/office/drawing/2014/main" id="{09E9C00C-CA81-52A9-071A-58884472A727}"/>
               </a:ext>
             </a:extLst>
           </p:cNvPr>
@@ -450,7 +450,7 @@
           <a:bodyPr/>
           <a:lstStyle/>
           <a:p>
-            <a:fld id="{87FFD4E1-53AF-4CF7-8B5E-285CB4DE077E}" type="datetimeFigureOut">
+            <a:fld id="{B1407C02-36F9-491C-9C98-B4E656758209}" type="datetimeFigureOut">
               <a:rPr lang="zh-CN" altLang="en-US" smtClean="0"/>
               <a:t>2024/3/10</a:t>
             </a:fld>
@@ -463,7 +463,7 @@
           <p:cNvPr id="5" name="页脚占位符 4">
             <a:extLst>
               <a:ext uri="{FF2B5EF4-FFF2-40B4-BE49-F238E27FC236}">
-                <a16:creationId xmlns:a16="http://schemas.microsoft.com/office/drawing/2014/main" id="{DAE45BF8-4C6E-AB69-AF05-0430500DC4F8}"/>
+                <a16:creationId xmlns:a16="http://schemas.microsoft.com/office/drawing/2014/main" id="{9EE76F97-67C7-DA93-4E6C-3D576A2BE646}"/>
               </a:ext>
             </a:extLst>
           </p:cNvPr>
@@ -488,7 +488,7 @@
           <p:cNvPr id="6" name="灯片编号占位符 5">
             <a:extLst>
               <a:ext uri="{FF2B5EF4-FFF2-40B4-BE49-F238E27FC236}">
-                <a16:creationId xmlns:a16="http://schemas.microsoft.com/office/drawing/2014/main" id="{889C1970-2312-2A2E-240C-47E224FD828D}"/>
+                <a16:creationId xmlns:a16="http://schemas.microsoft.com/office/drawing/2014/main" id="{07038EDD-7E4D-CA25-D58E-3B51AF8E4B6F}"/>
               </a:ext>
             </a:extLst>
           </p:cNvPr>
@@ -504,7 +504,7 @@
           <a:bodyPr/>
           <a:lstStyle/>
           <a:p>
-            <a:fld id="{297052AE-1F78-45CD-890D-F9AD158097F5}" type="slidenum">
+            <a:fld id="{771EEFB8-303A-4F2A-805A-3ABAB7E5592A}" type="slidenum">
               <a:rPr lang="zh-CN" altLang="en-US" smtClean="0"/>
               <a:t>‹#›</a:t>
             </a:fld>
@@ -515,7 +515,7 @@
     </p:spTree>
     <p:extLst>
       <p:ext uri="{BB962C8B-B14F-4D97-AF65-F5344CB8AC3E}">
-        <p14:creationId xmlns:p14="http://schemas.microsoft.com/office/powerpoint/2010/main" val="290932588"/>
+        <p14:creationId xmlns:p14="http://schemas.microsoft.com/office/powerpoint/2010/main" val="570618732"/>
       </p:ext>
     </p:extLst>
   </p:cSld>
@@ -547,7 +547,7 @@
           <p:cNvPr id="2" name="竖排标题 1">
             <a:extLst>
               <a:ext uri="{FF2B5EF4-FFF2-40B4-BE49-F238E27FC236}">
-                <a16:creationId xmlns:a16="http://schemas.microsoft.com/office/drawing/2014/main" id="{67A94900-7CE5-1DEB-D525-4454F69EA27E}"/>
+                <a16:creationId xmlns:a16="http://schemas.microsoft.com/office/drawing/2014/main" id="{87CCB471-0778-C528-005D-279D6EB19774}"/>
               </a:ext>
             </a:extLst>
           </p:cNvPr>
@@ -580,7 +580,7 @@
           <p:cNvPr id="3" name="竖排文字占位符 2">
             <a:extLst>
               <a:ext uri="{FF2B5EF4-FFF2-40B4-BE49-F238E27FC236}">
-                <a16:creationId xmlns:a16="http://schemas.microsoft.com/office/drawing/2014/main" id="{E42C1F34-744A-8F67-A71C-3EDF098A04A6}"/>
+                <a16:creationId xmlns:a16="http://schemas.microsoft.com/office/drawing/2014/main" id="{488960DC-97FA-8F8B-DEF2-9E3C88ADA28F}"/>
               </a:ext>
             </a:extLst>
           </p:cNvPr>
@@ -642,7 +642,7 @@
           <p:cNvPr id="4" name="日期占位符 3">
             <a:extLst>
               <a:ext uri="{FF2B5EF4-FFF2-40B4-BE49-F238E27FC236}">
-                <a16:creationId xmlns:a16="http://schemas.microsoft.com/office/drawing/2014/main" id="{894405B3-3694-417C-DFE6-A03CF2D572D2}"/>
+                <a16:creationId xmlns:a16="http://schemas.microsoft.com/office/drawing/2014/main" id="{5345F5D4-6BF6-C299-A38A-9410B26BC0A3}"/>
               </a:ext>
             </a:extLst>
           </p:cNvPr>
@@ -658,7 +658,7 @@
           <a:bodyPr/>
           <a:lstStyle/>
           <a:p>
-            <a:fld id="{87FFD4E1-53AF-4CF7-8B5E-285CB4DE077E}" type="datetimeFigureOut">
+            <a:fld id="{B1407C02-36F9-491C-9C98-B4E656758209}" type="datetimeFigureOut">
               <a:rPr lang="zh-CN" altLang="en-US" smtClean="0"/>
               <a:t>2024/3/10</a:t>
             </a:fld>
@@ -671,7 +671,7 @@
           <p:cNvPr id="5" name="页脚占位符 4">
             <a:extLst>
               <a:ext uri="{FF2B5EF4-FFF2-40B4-BE49-F238E27FC236}">
-                <a16:creationId xmlns:a16="http://schemas.microsoft.com/office/drawing/2014/main" id="{003B14B7-B613-F717-722C-E5E9426D7803}"/>
+                <a16:creationId xmlns:a16="http://schemas.microsoft.com/office/drawing/2014/main" id="{195B4B1D-8A0E-A79D-1989-6386F5152426}"/>
               </a:ext>
             </a:extLst>
           </p:cNvPr>
@@ -696,7 +696,7 @@
           <p:cNvPr id="6" name="灯片编号占位符 5">
             <a:extLst>
               <a:ext uri="{FF2B5EF4-FFF2-40B4-BE49-F238E27FC236}">
-                <a16:creationId xmlns:a16="http://schemas.microsoft.com/office/drawing/2014/main" id="{7BE2AD71-4952-A0BD-322C-B73F5CE4723C}"/>
+                <a16:creationId xmlns:a16="http://schemas.microsoft.com/office/drawing/2014/main" id="{448901EC-986B-18C4-CD8A-51879DA1FE32}"/>
               </a:ext>
             </a:extLst>
           </p:cNvPr>
@@ -712,7 +712,7 @@
           <a:bodyPr/>
           <a:lstStyle/>
           <a:p>
-            <a:fld id="{297052AE-1F78-45CD-890D-F9AD158097F5}" type="slidenum">
+            <a:fld id="{771EEFB8-303A-4F2A-805A-3ABAB7E5592A}" type="slidenum">
               <a:rPr lang="zh-CN" altLang="en-US" smtClean="0"/>
               <a:t>‹#›</a:t>
             </a:fld>
@@ -723,7 +723,7 @@
     </p:spTree>
     <p:extLst>
       <p:ext uri="{BB962C8B-B14F-4D97-AF65-F5344CB8AC3E}">
-        <p14:creationId xmlns:p14="http://schemas.microsoft.com/office/powerpoint/2010/main" val="1356192737"/>
+        <p14:creationId xmlns:p14="http://schemas.microsoft.com/office/powerpoint/2010/main" val="2192668840"/>
       </p:ext>
     </p:extLst>
   </p:cSld>
@@ -755,7 +755,7 @@
           <p:cNvPr id="2" name="标题 1">
             <a:extLst>
               <a:ext uri="{FF2B5EF4-FFF2-40B4-BE49-F238E27FC236}">
-                <a16:creationId xmlns:a16="http://schemas.microsoft.com/office/drawing/2014/main" id="{91BAD978-3386-C4BD-BFE4-7CC7CB04B11D}"/>
+                <a16:creationId xmlns:a16="http://schemas.microsoft.com/office/drawing/2014/main" id="{82C62081-0071-AADE-525F-0920C1CE30A0}"/>
               </a:ext>
             </a:extLst>
           </p:cNvPr>
@@ -783,7 +783,7 @@
           <p:cNvPr id="3" name="内容占位符 2">
             <a:extLst>
               <a:ext uri="{FF2B5EF4-FFF2-40B4-BE49-F238E27FC236}">
-                <a16:creationId xmlns:a16="http://schemas.microsoft.com/office/drawing/2014/main" id="{B2547A5E-4A5E-6F9A-CBCB-B3D4603754BA}"/>
+                <a16:creationId xmlns:a16="http://schemas.microsoft.com/office/drawing/2014/main" id="{010DEC80-1C4D-3964-E16D-C313DC9F0DE3}"/>
               </a:ext>
             </a:extLst>
           </p:cNvPr>
@@ -840,7 +840,7 @@
           <p:cNvPr id="4" name="日期占位符 3">
             <a:extLst>
               <a:ext uri="{FF2B5EF4-FFF2-40B4-BE49-F238E27FC236}">
-                <a16:creationId xmlns:a16="http://schemas.microsoft.com/office/drawing/2014/main" id="{ACD37FF4-C5F2-98DF-387B-58516A195419}"/>
+                <a16:creationId xmlns:a16="http://schemas.microsoft.com/office/drawing/2014/main" id="{DE767D79-2477-CBEF-C415-AE2B2753CD31}"/>
               </a:ext>
             </a:extLst>
           </p:cNvPr>
@@ -856,7 +856,7 @@
           <a:bodyPr/>
           <a:lstStyle/>
           <a:p>
-            <a:fld id="{87FFD4E1-53AF-4CF7-8B5E-285CB4DE077E}" type="datetimeFigureOut">
+            <a:fld id="{B1407C02-36F9-491C-9C98-B4E656758209}" type="datetimeFigureOut">
               <a:rPr lang="zh-CN" altLang="en-US" smtClean="0"/>
               <a:t>2024/3/10</a:t>
             </a:fld>
@@ -869,7 +869,7 @@
           <p:cNvPr id="5" name="页脚占位符 4">
             <a:extLst>
               <a:ext uri="{FF2B5EF4-FFF2-40B4-BE49-F238E27FC236}">
-                <a16:creationId xmlns:a16="http://schemas.microsoft.com/office/drawing/2014/main" id="{65ED828B-B0EA-60D3-3B25-4DAEF964DC78}"/>
+                <a16:creationId xmlns:a16="http://schemas.microsoft.com/office/drawing/2014/main" id="{85D3FB47-D909-F88A-1562-36CE9986BB6D}"/>
               </a:ext>
             </a:extLst>
           </p:cNvPr>
@@ -894,7 +894,7 @@
           <p:cNvPr id="6" name="灯片编号占位符 5">
             <a:extLst>
               <a:ext uri="{FF2B5EF4-FFF2-40B4-BE49-F238E27FC236}">
-                <a16:creationId xmlns:a16="http://schemas.microsoft.com/office/drawing/2014/main" id="{E18EA5C1-0448-D84A-338E-4A1E7A9CA6DE}"/>
+                <a16:creationId xmlns:a16="http://schemas.microsoft.com/office/drawing/2014/main" id="{88F7F0BC-A9E0-42CC-3679-447FC5F46F36}"/>
               </a:ext>
             </a:extLst>
           </p:cNvPr>
@@ -910,7 +910,7 @@
           <a:bodyPr/>
           <a:lstStyle/>
           <a:p>
-            <a:fld id="{297052AE-1F78-45CD-890D-F9AD158097F5}" type="slidenum">
+            <a:fld id="{771EEFB8-303A-4F2A-805A-3ABAB7E5592A}" type="slidenum">
               <a:rPr lang="zh-CN" altLang="en-US" smtClean="0"/>
               <a:t>‹#›</a:t>
             </a:fld>
@@ -921,7 +921,7 @@
     </p:spTree>
     <p:extLst>
       <p:ext uri="{BB962C8B-B14F-4D97-AF65-F5344CB8AC3E}">
-        <p14:creationId xmlns:p14="http://schemas.microsoft.com/office/powerpoint/2010/main" val="2557740219"/>
+        <p14:creationId xmlns:p14="http://schemas.microsoft.com/office/powerpoint/2010/main" val="2202618730"/>
       </p:ext>
     </p:extLst>
   </p:cSld>
@@ -953,7 +953,7 @@
           <p:cNvPr id="2" name="标题 1">
             <a:extLst>
               <a:ext uri="{FF2B5EF4-FFF2-40B4-BE49-F238E27FC236}">
-                <a16:creationId xmlns:a16="http://schemas.microsoft.com/office/drawing/2014/main" id="{0D4A3CA9-262A-207E-CF34-B3643104C4E3}"/>
+                <a16:creationId xmlns:a16="http://schemas.microsoft.com/office/drawing/2014/main" id="{9C28F71D-98CD-D6AE-9C00-E784B0A76218}"/>
               </a:ext>
             </a:extLst>
           </p:cNvPr>
@@ -990,7 +990,7 @@
           <p:cNvPr id="3" name="文本占位符 2">
             <a:extLst>
               <a:ext uri="{FF2B5EF4-FFF2-40B4-BE49-F238E27FC236}">
-                <a16:creationId xmlns:a16="http://schemas.microsoft.com/office/drawing/2014/main" id="{3BAD8707-4401-5861-1E27-D02CEF0767D9}"/>
+                <a16:creationId xmlns:a16="http://schemas.microsoft.com/office/drawing/2014/main" id="{639FB454-4EBF-CA5A-484E-AAC27B6F6204}"/>
               </a:ext>
             </a:extLst>
           </p:cNvPr>
@@ -1115,7 +1115,7 @@
           <p:cNvPr id="4" name="日期占位符 3">
             <a:extLst>
               <a:ext uri="{FF2B5EF4-FFF2-40B4-BE49-F238E27FC236}">
-                <a16:creationId xmlns:a16="http://schemas.microsoft.com/office/drawing/2014/main" id="{00B5437C-3688-4A2C-2820-1B6C3F544384}"/>
+                <a16:creationId xmlns:a16="http://schemas.microsoft.com/office/drawing/2014/main" id="{276B0979-2792-9982-6BA9-1EC940AEFCD1}"/>
               </a:ext>
             </a:extLst>
           </p:cNvPr>
@@ -1131,7 +1131,7 @@
           <a:bodyPr/>
           <a:lstStyle/>
           <a:p>
-            <a:fld id="{87FFD4E1-53AF-4CF7-8B5E-285CB4DE077E}" type="datetimeFigureOut">
+            <a:fld id="{B1407C02-36F9-491C-9C98-B4E656758209}" type="datetimeFigureOut">
               <a:rPr lang="zh-CN" altLang="en-US" smtClean="0"/>
               <a:t>2024/3/10</a:t>
             </a:fld>
@@ -1144,7 +1144,7 @@
           <p:cNvPr id="5" name="页脚占位符 4">
             <a:extLst>
               <a:ext uri="{FF2B5EF4-FFF2-40B4-BE49-F238E27FC236}">
-                <a16:creationId xmlns:a16="http://schemas.microsoft.com/office/drawing/2014/main" id="{AFE2EFAB-86DA-17F9-AE37-C9CFB86FC40D}"/>
+                <a16:creationId xmlns:a16="http://schemas.microsoft.com/office/drawing/2014/main" id="{2061BB84-D1CC-3FE2-DCAE-8FBACD4E5071}"/>
               </a:ext>
             </a:extLst>
           </p:cNvPr>
@@ -1169,7 +1169,7 @@
           <p:cNvPr id="6" name="灯片编号占位符 5">
             <a:extLst>
               <a:ext uri="{FF2B5EF4-FFF2-40B4-BE49-F238E27FC236}">
-                <a16:creationId xmlns:a16="http://schemas.microsoft.com/office/drawing/2014/main" id="{422FF1F1-0768-9D76-6425-5C941F20E0F3}"/>
+                <a16:creationId xmlns:a16="http://schemas.microsoft.com/office/drawing/2014/main" id="{BFC37E2A-DA6A-EA7B-D949-5764C51F6FCE}"/>
               </a:ext>
             </a:extLst>
           </p:cNvPr>
@@ -1185,7 +1185,7 @@
           <a:bodyPr/>
           <a:lstStyle/>
           <a:p>
-            <a:fld id="{297052AE-1F78-45CD-890D-F9AD158097F5}" type="slidenum">
+            <a:fld id="{771EEFB8-303A-4F2A-805A-3ABAB7E5592A}" type="slidenum">
               <a:rPr lang="zh-CN" altLang="en-US" smtClean="0"/>
               <a:t>‹#›</a:t>
             </a:fld>
@@ -1196,7 +1196,7 @@
     </p:spTree>
     <p:extLst>
       <p:ext uri="{BB962C8B-B14F-4D97-AF65-F5344CB8AC3E}">
-        <p14:creationId xmlns:p14="http://schemas.microsoft.com/office/powerpoint/2010/main" val="3358197791"/>
+        <p14:creationId xmlns:p14="http://schemas.microsoft.com/office/powerpoint/2010/main" val="2845795699"/>
       </p:ext>
     </p:extLst>
   </p:cSld>
@@ -1228,7 +1228,7 @@
           <p:cNvPr id="2" name="标题 1">
             <a:extLst>
               <a:ext uri="{FF2B5EF4-FFF2-40B4-BE49-F238E27FC236}">
-                <a16:creationId xmlns:a16="http://schemas.microsoft.com/office/drawing/2014/main" id="{94850BEB-DE81-383C-B96E-84A06D7F59DA}"/>
+                <a16:creationId xmlns:a16="http://schemas.microsoft.com/office/drawing/2014/main" id="{F3864B90-0E4C-D35C-C1CD-A10F060C55DC}"/>
               </a:ext>
             </a:extLst>
           </p:cNvPr>
@@ -1256,7 +1256,7 @@
           <p:cNvPr id="3" name="内容占位符 2">
             <a:extLst>
               <a:ext uri="{FF2B5EF4-FFF2-40B4-BE49-F238E27FC236}">
-                <a16:creationId xmlns:a16="http://schemas.microsoft.com/office/drawing/2014/main" id="{8C51C9B8-2C67-F37D-1535-51D81A28D1CD}"/>
+                <a16:creationId xmlns:a16="http://schemas.microsoft.com/office/drawing/2014/main" id="{64F6E6E8-8B4B-FB59-4A53-41D3CD4C6243}"/>
               </a:ext>
             </a:extLst>
           </p:cNvPr>
@@ -1318,7 +1318,7 @@
           <p:cNvPr id="4" name="内容占位符 3">
             <a:extLst>
               <a:ext uri="{FF2B5EF4-FFF2-40B4-BE49-F238E27FC236}">
-                <a16:creationId xmlns:a16="http://schemas.microsoft.com/office/drawing/2014/main" id="{7E9974CE-E2D0-9463-DA5E-CFD75E4DDBB3}"/>
+                <a16:creationId xmlns:a16="http://schemas.microsoft.com/office/drawing/2014/main" id="{493E901F-C71D-7EFD-1AB8-E648801EAAC9}"/>
               </a:ext>
             </a:extLst>
           </p:cNvPr>
@@ -1380,7 +1380,7 @@
           <p:cNvPr id="5" name="日期占位符 4">
             <a:extLst>
               <a:ext uri="{FF2B5EF4-FFF2-40B4-BE49-F238E27FC236}">
-                <a16:creationId xmlns:a16="http://schemas.microsoft.com/office/drawing/2014/main" id="{662CA3FB-8938-92F6-85CC-67CDAB68E842}"/>
+                <a16:creationId xmlns:a16="http://schemas.microsoft.com/office/drawing/2014/main" id="{B7E16D1F-8A9E-2A14-A66A-289BA9CD2A54}"/>
               </a:ext>
             </a:extLst>
           </p:cNvPr>
@@ -1396,7 +1396,7 @@
           <a:bodyPr/>
           <a:lstStyle/>
           <a:p>
-            <a:fld id="{87FFD4E1-53AF-4CF7-8B5E-285CB4DE077E}" type="datetimeFigureOut">
+            <a:fld id="{B1407C02-36F9-491C-9C98-B4E656758209}" type="datetimeFigureOut">
               <a:rPr lang="zh-CN" altLang="en-US" smtClean="0"/>
               <a:t>2024/3/10</a:t>
             </a:fld>
@@ -1409,7 +1409,7 @@
           <p:cNvPr id="6" name="页脚占位符 5">
             <a:extLst>
               <a:ext uri="{FF2B5EF4-FFF2-40B4-BE49-F238E27FC236}">
-                <a16:creationId xmlns:a16="http://schemas.microsoft.com/office/drawing/2014/main" id="{3C1C1896-0E58-2866-ACFF-5953F519E431}"/>
+                <a16:creationId xmlns:a16="http://schemas.microsoft.com/office/drawing/2014/main" id="{DBE64975-3E03-5BF9-84BF-69C070A57CEE}"/>
               </a:ext>
             </a:extLst>
           </p:cNvPr>
@@ -1434,7 +1434,7 @@
           <p:cNvPr id="7" name="灯片编号占位符 6">
             <a:extLst>
               <a:ext uri="{FF2B5EF4-FFF2-40B4-BE49-F238E27FC236}">
-                <a16:creationId xmlns:a16="http://schemas.microsoft.com/office/drawing/2014/main" id="{40BA9BA6-F2DE-3AEC-8418-76055E73D0B9}"/>
+                <a16:creationId xmlns:a16="http://schemas.microsoft.com/office/drawing/2014/main" id="{63B70CBF-097F-0CD8-01F4-4BF9D0F3ED97}"/>
               </a:ext>
             </a:extLst>
           </p:cNvPr>
@@ -1450,7 +1450,7 @@
           <a:bodyPr/>
           <a:lstStyle/>
           <a:p>
-            <a:fld id="{297052AE-1F78-45CD-890D-F9AD158097F5}" type="slidenum">
+            <a:fld id="{771EEFB8-303A-4F2A-805A-3ABAB7E5592A}" type="slidenum">
               <a:rPr lang="zh-CN" altLang="en-US" smtClean="0"/>
               <a:t>‹#›</a:t>
             </a:fld>
@@ -1461,7 +1461,7 @@
     </p:spTree>
     <p:extLst>
       <p:ext uri="{BB962C8B-B14F-4D97-AF65-F5344CB8AC3E}">
-        <p14:creationId xmlns:p14="http://schemas.microsoft.com/office/powerpoint/2010/main" val="2237799364"/>
+        <p14:creationId xmlns:p14="http://schemas.microsoft.com/office/powerpoint/2010/main" val="1444299413"/>
       </p:ext>
     </p:extLst>
   </p:cSld>
@@ -1493,7 +1493,7 @@
           <p:cNvPr id="2" name="标题 1">
             <a:extLst>
               <a:ext uri="{FF2B5EF4-FFF2-40B4-BE49-F238E27FC236}">
-                <a16:creationId xmlns:a16="http://schemas.microsoft.com/office/drawing/2014/main" id="{AC8F13A7-4DE3-DA28-6855-10A20B81C0C2}"/>
+                <a16:creationId xmlns:a16="http://schemas.microsoft.com/office/drawing/2014/main" id="{58304AC3-7AA5-DA0F-E2E2-0514217C0364}"/>
               </a:ext>
             </a:extLst>
           </p:cNvPr>
@@ -1526,7 +1526,7 @@
           <p:cNvPr id="3" name="文本占位符 2">
             <a:extLst>
               <a:ext uri="{FF2B5EF4-FFF2-40B4-BE49-F238E27FC236}">
-                <a16:creationId xmlns:a16="http://schemas.microsoft.com/office/drawing/2014/main" id="{B6E3533E-1F12-4EF3-D8E1-2AC93DF3D694}"/>
+                <a16:creationId xmlns:a16="http://schemas.microsoft.com/office/drawing/2014/main" id="{0EAF8420-ACC4-146C-F138-ACC299956108}"/>
               </a:ext>
             </a:extLst>
           </p:cNvPr>
@@ -1597,7 +1597,7 @@
           <p:cNvPr id="4" name="内容占位符 3">
             <a:extLst>
               <a:ext uri="{FF2B5EF4-FFF2-40B4-BE49-F238E27FC236}">
-                <a16:creationId xmlns:a16="http://schemas.microsoft.com/office/drawing/2014/main" id="{90B15462-A9C6-CF73-F2BE-BF81729939A1}"/>
+                <a16:creationId xmlns:a16="http://schemas.microsoft.com/office/drawing/2014/main" id="{117158B1-0684-9295-AA15-CE83D5D6810E}"/>
               </a:ext>
             </a:extLst>
           </p:cNvPr>
@@ -1659,7 +1659,7 @@
           <p:cNvPr id="5" name="文本占位符 4">
             <a:extLst>
               <a:ext uri="{FF2B5EF4-FFF2-40B4-BE49-F238E27FC236}">
-                <a16:creationId xmlns:a16="http://schemas.microsoft.com/office/drawing/2014/main" id="{D35CB8A6-A906-F1E8-6100-3BA1755DBFF7}"/>
+                <a16:creationId xmlns:a16="http://schemas.microsoft.com/office/drawing/2014/main" id="{EF3B594B-4E7B-5D43-0CD3-5F9B08E67392}"/>
               </a:ext>
             </a:extLst>
           </p:cNvPr>
@@ -1730,7 +1730,7 @@
           <p:cNvPr id="6" name="内容占位符 5">
             <a:extLst>
               <a:ext uri="{FF2B5EF4-FFF2-40B4-BE49-F238E27FC236}">
-                <a16:creationId xmlns:a16="http://schemas.microsoft.com/office/drawing/2014/main" id="{9B86400E-1526-89A4-DDC8-75F66635133C}"/>
+                <a16:creationId xmlns:a16="http://schemas.microsoft.com/office/drawing/2014/main" id="{F750CACE-401C-884E-8658-D20E09469A33}"/>
               </a:ext>
             </a:extLst>
           </p:cNvPr>
@@ -1792,7 +1792,7 @@
           <p:cNvPr id="7" name="日期占位符 6">
             <a:extLst>
               <a:ext uri="{FF2B5EF4-FFF2-40B4-BE49-F238E27FC236}">
-                <a16:creationId xmlns:a16="http://schemas.microsoft.com/office/drawing/2014/main" id="{74826A90-792E-2849-AA24-450ABC54B386}"/>
+                <a16:creationId xmlns:a16="http://schemas.microsoft.com/office/drawing/2014/main" id="{208C5C68-B4AA-A208-DE15-01F71D547658}"/>
               </a:ext>
             </a:extLst>
           </p:cNvPr>
@@ -1808,7 +1808,7 @@
           <a:bodyPr/>
           <a:lstStyle/>
           <a:p>
-            <a:fld id="{87FFD4E1-53AF-4CF7-8B5E-285CB4DE077E}" type="datetimeFigureOut">
+            <a:fld id="{B1407C02-36F9-491C-9C98-B4E656758209}" type="datetimeFigureOut">
               <a:rPr lang="zh-CN" altLang="en-US" smtClean="0"/>
               <a:t>2024/3/10</a:t>
             </a:fld>
@@ -1821,7 +1821,7 @@
           <p:cNvPr id="8" name="页脚占位符 7">
             <a:extLst>
               <a:ext uri="{FF2B5EF4-FFF2-40B4-BE49-F238E27FC236}">
-                <a16:creationId xmlns:a16="http://schemas.microsoft.com/office/drawing/2014/main" id="{DA15411F-69B0-D278-5675-DE6BC226626B}"/>
+                <a16:creationId xmlns:a16="http://schemas.microsoft.com/office/drawing/2014/main" id="{5BFC4A5E-88B0-23B7-E7CB-66539B39C3DB}"/>
               </a:ext>
             </a:extLst>
           </p:cNvPr>
@@ -1846,7 +1846,7 @@
           <p:cNvPr id="9" name="灯片编号占位符 8">
             <a:extLst>
               <a:ext uri="{FF2B5EF4-FFF2-40B4-BE49-F238E27FC236}">
-                <a16:creationId xmlns:a16="http://schemas.microsoft.com/office/drawing/2014/main" id="{E0C01732-C833-1064-2A6A-A3256F80BB90}"/>
+                <a16:creationId xmlns:a16="http://schemas.microsoft.com/office/drawing/2014/main" id="{8F96D9BC-D36A-2924-29AC-4C1ECC13B143}"/>
               </a:ext>
             </a:extLst>
           </p:cNvPr>
@@ -1862,7 +1862,7 @@
           <a:bodyPr/>
           <a:lstStyle/>
           <a:p>
-            <a:fld id="{297052AE-1F78-45CD-890D-F9AD158097F5}" type="slidenum">
+            <a:fld id="{771EEFB8-303A-4F2A-805A-3ABAB7E5592A}" type="slidenum">
               <a:rPr lang="zh-CN" altLang="en-US" smtClean="0"/>
               <a:t>‹#›</a:t>
             </a:fld>
@@ -1873,7 +1873,7 @@
     </p:spTree>
     <p:extLst>
       <p:ext uri="{BB962C8B-B14F-4D97-AF65-F5344CB8AC3E}">
-        <p14:creationId xmlns:p14="http://schemas.microsoft.com/office/powerpoint/2010/main" val="268822137"/>
+        <p14:creationId xmlns:p14="http://schemas.microsoft.com/office/powerpoint/2010/main" val="2620907727"/>
       </p:ext>
     </p:extLst>
   </p:cSld>
@@ -1905,7 +1905,7 @@
           <p:cNvPr id="2" name="标题 1">
             <a:extLst>
               <a:ext uri="{FF2B5EF4-FFF2-40B4-BE49-F238E27FC236}">
-                <a16:creationId xmlns:a16="http://schemas.microsoft.com/office/drawing/2014/main" id="{33FAA9F2-B411-4992-3986-594163EBB780}"/>
+                <a16:creationId xmlns:a16="http://schemas.microsoft.com/office/drawing/2014/main" id="{8B0A973B-EE2D-2673-B2B9-C439D2D2E0DC}"/>
               </a:ext>
             </a:extLst>
           </p:cNvPr>
@@ -1933,7 +1933,7 @@
           <p:cNvPr id="3" name="日期占位符 2">
             <a:extLst>
               <a:ext uri="{FF2B5EF4-FFF2-40B4-BE49-F238E27FC236}">
-                <a16:creationId xmlns:a16="http://schemas.microsoft.com/office/drawing/2014/main" id="{3E223C2D-9CC5-111F-9EF0-122F7BC38446}"/>
+                <a16:creationId xmlns:a16="http://schemas.microsoft.com/office/drawing/2014/main" id="{1BA49BDF-6543-C6DC-E6E2-3D97B88B8435}"/>
               </a:ext>
             </a:extLst>
           </p:cNvPr>
@@ -1949,7 +1949,7 @@
           <a:bodyPr/>
           <a:lstStyle/>
           <a:p>
-            <a:fld id="{87FFD4E1-53AF-4CF7-8B5E-285CB4DE077E}" type="datetimeFigureOut">
+            <a:fld id="{B1407C02-36F9-491C-9C98-B4E656758209}" type="datetimeFigureOut">
               <a:rPr lang="zh-CN" altLang="en-US" smtClean="0"/>
               <a:t>2024/3/10</a:t>
             </a:fld>
@@ -1962,7 +1962,7 @@
           <p:cNvPr id="4" name="页脚占位符 3">
             <a:extLst>
               <a:ext uri="{FF2B5EF4-FFF2-40B4-BE49-F238E27FC236}">
-                <a16:creationId xmlns:a16="http://schemas.microsoft.com/office/drawing/2014/main" id="{C1204A04-0BE1-570A-7821-F5282FF2D19C}"/>
+                <a16:creationId xmlns:a16="http://schemas.microsoft.com/office/drawing/2014/main" id="{96CA3B32-23B9-0B87-9984-5E9E9B59B38B}"/>
               </a:ext>
             </a:extLst>
           </p:cNvPr>
@@ -1987,7 +1987,7 @@
           <p:cNvPr id="5" name="灯片编号占位符 4">
             <a:extLst>
               <a:ext uri="{FF2B5EF4-FFF2-40B4-BE49-F238E27FC236}">
-                <a16:creationId xmlns:a16="http://schemas.microsoft.com/office/drawing/2014/main" id="{A05FCB05-00DC-8F1F-C3C3-B273A08667CB}"/>
+                <a16:creationId xmlns:a16="http://schemas.microsoft.com/office/drawing/2014/main" id="{8344C269-93DC-FA6A-5037-190A574FB647}"/>
               </a:ext>
             </a:extLst>
           </p:cNvPr>
@@ -2003,7 +2003,7 @@
           <a:bodyPr/>
           <a:lstStyle/>
           <a:p>
-            <a:fld id="{297052AE-1F78-45CD-890D-F9AD158097F5}" type="slidenum">
+            <a:fld id="{771EEFB8-303A-4F2A-805A-3ABAB7E5592A}" type="slidenum">
               <a:rPr lang="zh-CN" altLang="en-US" smtClean="0"/>
               <a:t>‹#›</a:t>
             </a:fld>
@@ -2014,7 +2014,7 @@
     </p:spTree>
     <p:extLst>
       <p:ext uri="{BB962C8B-B14F-4D97-AF65-F5344CB8AC3E}">
-        <p14:creationId xmlns:p14="http://schemas.microsoft.com/office/powerpoint/2010/main" val="2595142547"/>
+        <p14:creationId xmlns:p14="http://schemas.microsoft.com/office/powerpoint/2010/main" val="3516460674"/>
       </p:ext>
     </p:extLst>
   </p:cSld>
@@ -2046,7 +2046,7 @@
           <p:cNvPr id="2" name="日期占位符 1">
             <a:extLst>
               <a:ext uri="{FF2B5EF4-FFF2-40B4-BE49-F238E27FC236}">
-                <a16:creationId xmlns:a16="http://schemas.microsoft.com/office/drawing/2014/main" id="{0403F9B4-4837-8676-6383-D58AF13C5A89}"/>
+                <a16:creationId xmlns:a16="http://schemas.microsoft.com/office/drawing/2014/main" id="{58A136E6-885D-D66E-1CA6-8838D5B4FCD0}"/>
               </a:ext>
             </a:extLst>
           </p:cNvPr>
@@ -2062,7 +2062,7 @@
           <a:bodyPr/>
           <a:lstStyle/>
           <a:p>
-            <a:fld id="{87FFD4E1-53AF-4CF7-8B5E-285CB4DE077E}" type="datetimeFigureOut">
+            <a:fld id="{B1407C02-36F9-491C-9C98-B4E656758209}" type="datetimeFigureOut">
               <a:rPr lang="zh-CN" altLang="en-US" smtClean="0"/>
               <a:t>2024/3/10</a:t>
             </a:fld>
@@ -2075,7 +2075,7 @@
           <p:cNvPr id="3" name="页脚占位符 2">
             <a:extLst>
               <a:ext uri="{FF2B5EF4-FFF2-40B4-BE49-F238E27FC236}">
-                <a16:creationId xmlns:a16="http://schemas.microsoft.com/office/drawing/2014/main" id="{4CC0F723-0350-1621-6B0C-7002654A0EBE}"/>
+                <a16:creationId xmlns:a16="http://schemas.microsoft.com/office/drawing/2014/main" id="{EAC1D1BC-BFCF-A22A-EB03-24C95E407B2E}"/>
               </a:ext>
             </a:extLst>
           </p:cNvPr>
@@ -2100,7 +2100,7 @@
           <p:cNvPr id="4" name="灯片编号占位符 3">
             <a:extLst>
               <a:ext uri="{FF2B5EF4-FFF2-40B4-BE49-F238E27FC236}">
-                <a16:creationId xmlns:a16="http://schemas.microsoft.com/office/drawing/2014/main" id="{7ED066C8-A87F-1E88-70C0-E4E2A0EE9552}"/>
+                <a16:creationId xmlns:a16="http://schemas.microsoft.com/office/drawing/2014/main" id="{E289FCF7-387A-10C6-A0DC-2A6BBA060528}"/>
               </a:ext>
             </a:extLst>
           </p:cNvPr>
@@ -2116,7 +2116,7 @@
           <a:bodyPr/>
           <a:lstStyle/>
           <a:p>
-            <a:fld id="{297052AE-1F78-45CD-890D-F9AD158097F5}" type="slidenum">
+            <a:fld id="{771EEFB8-303A-4F2A-805A-3ABAB7E5592A}" type="slidenum">
               <a:rPr lang="zh-CN" altLang="en-US" smtClean="0"/>
               <a:t>‹#›</a:t>
             </a:fld>
@@ -2127,7 +2127,7 @@
     </p:spTree>
     <p:extLst>
       <p:ext uri="{BB962C8B-B14F-4D97-AF65-F5344CB8AC3E}">
-        <p14:creationId xmlns:p14="http://schemas.microsoft.com/office/powerpoint/2010/main" val="2306581179"/>
+        <p14:creationId xmlns:p14="http://schemas.microsoft.com/office/powerpoint/2010/main" val="1378150442"/>
       </p:ext>
     </p:extLst>
   </p:cSld>
@@ -2159,7 +2159,7 @@
           <p:cNvPr id="2" name="标题 1">
             <a:extLst>
               <a:ext uri="{FF2B5EF4-FFF2-40B4-BE49-F238E27FC236}">
-                <a16:creationId xmlns:a16="http://schemas.microsoft.com/office/drawing/2014/main" id="{3227AA00-BC8E-6581-0F3F-56F3630C287D}"/>
+                <a16:creationId xmlns:a16="http://schemas.microsoft.com/office/drawing/2014/main" id="{442C23D5-5458-10E1-AAAA-2BD717B13DA9}"/>
               </a:ext>
             </a:extLst>
           </p:cNvPr>
@@ -2196,7 +2196,7 @@
           <p:cNvPr id="3" name="内容占位符 2">
             <a:extLst>
               <a:ext uri="{FF2B5EF4-FFF2-40B4-BE49-F238E27FC236}">
-                <a16:creationId xmlns:a16="http://schemas.microsoft.com/office/drawing/2014/main" id="{452359AC-65D2-50ED-2FB4-10A59B7112B5}"/>
+                <a16:creationId xmlns:a16="http://schemas.microsoft.com/office/drawing/2014/main" id="{291966E8-B9B6-F500-DE18-FAEAB485D747}"/>
               </a:ext>
             </a:extLst>
           </p:cNvPr>
@@ -2286,7 +2286,7 @@
           <p:cNvPr id="4" name="文本占位符 3">
             <a:extLst>
               <a:ext uri="{FF2B5EF4-FFF2-40B4-BE49-F238E27FC236}">
-                <a16:creationId xmlns:a16="http://schemas.microsoft.com/office/drawing/2014/main" id="{E5983E0A-F47F-4AD8-2E82-C1C68AD2C719}"/>
+                <a16:creationId xmlns:a16="http://schemas.microsoft.com/office/drawing/2014/main" id="{712B8031-7002-8263-3ABA-B42EF514989D}"/>
               </a:ext>
             </a:extLst>
           </p:cNvPr>
@@ -2357,7 +2357,7 @@
           <p:cNvPr id="5" name="日期占位符 4">
             <a:extLst>
               <a:ext uri="{FF2B5EF4-FFF2-40B4-BE49-F238E27FC236}">
-                <a16:creationId xmlns:a16="http://schemas.microsoft.com/office/drawing/2014/main" id="{CF2BFE66-951D-5F81-00C7-B3FDBF7C3889}"/>
+                <a16:creationId xmlns:a16="http://schemas.microsoft.com/office/drawing/2014/main" id="{34F73553-FEB4-33EC-1680-329E4C7F8239}"/>
               </a:ext>
             </a:extLst>
           </p:cNvPr>
@@ -2373,7 +2373,7 @@
           <a:bodyPr/>
           <a:lstStyle/>
           <a:p>
-            <a:fld id="{87FFD4E1-53AF-4CF7-8B5E-285CB4DE077E}" type="datetimeFigureOut">
+            <a:fld id="{B1407C02-36F9-491C-9C98-B4E656758209}" type="datetimeFigureOut">
               <a:rPr lang="zh-CN" altLang="en-US" smtClean="0"/>
               <a:t>2024/3/10</a:t>
             </a:fld>
@@ -2386,7 +2386,7 @@
           <p:cNvPr id="6" name="页脚占位符 5">
             <a:extLst>
               <a:ext uri="{FF2B5EF4-FFF2-40B4-BE49-F238E27FC236}">
-                <a16:creationId xmlns:a16="http://schemas.microsoft.com/office/drawing/2014/main" id="{3958788E-1BC9-1896-9BC3-456A29B29053}"/>
+                <a16:creationId xmlns:a16="http://schemas.microsoft.com/office/drawing/2014/main" id="{D1A61511-2884-73E6-D37B-13417B34E587}"/>
               </a:ext>
             </a:extLst>
           </p:cNvPr>
@@ -2411,7 +2411,7 @@
           <p:cNvPr id="7" name="灯片编号占位符 6">
             <a:extLst>
               <a:ext uri="{FF2B5EF4-FFF2-40B4-BE49-F238E27FC236}">
-                <a16:creationId xmlns:a16="http://schemas.microsoft.com/office/drawing/2014/main" id="{A16DFA55-72E6-DC5E-69F7-09E6C9AF323E}"/>
+                <a16:creationId xmlns:a16="http://schemas.microsoft.com/office/drawing/2014/main" id="{AFDBABB8-5E18-D410-721F-3A3F55E7F831}"/>
               </a:ext>
             </a:extLst>
           </p:cNvPr>
@@ -2427,7 +2427,7 @@
           <a:bodyPr/>
           <a:lstStyle/>
           <a:p>
-            <a:fld id="{297052AE-1F78-45CD-890D-F9AD158097F5}" type="slidenum">
+            <a:fld id="{771EEFB8-303A-4F2A-805A-3ABAB7E5592A}" type="slidenum">
               <a:rPr lang="zh-CN" altLang="en-US" smtClean="0"/>
               <a:t>‹#›</a:t>
             </a:fld>
@@ -2438,7 +2438,7 @@
     </p:spTree>
     <p:extLst>
       <p:ext uri="{BB962C8B-B14F-4D97-AF65-F5344CB8AC3E}">
-        <p14:creationId xmlns:p14="http://schemas.microsoft.com/office/powerpoint/2010/main" val="2499913742"/>
+        <p14:creationId xmlns:p14="http://schemas.microsoft.com/office/powerpoint/2010/main" val="3052978581"/>
       </p:ext>
     </p:extLst>
   </p:cSld>
@@ -2470,7 +2470,7 @@
           <p:cNvPr id="2" name="标题 1">
             <a:extLst>
               <a:ext uri="{FF2B5EF4-FFF2-40B4-BE49-F238E27FC236}">
-                <a16:creationId xmlns:a16="http://schemas.microsoft.com/office/drawing/2014/main" id="{CB67D28F-6B55-DAEB-4248-EB5F9C44E39B}"/>
+                <a16:creationId xmlns:a16="http://schemas.microsoft.com/office/drawing/2014/main" id="{64A311A7-48E3-DF15-AEE5-4C5E0E9DD040}"/>
               </a:ext>
             </a:extLst>
           </p:cNvPr>
@@ -2507,7 +2507,7 @@
           <p:cNvPr id="3" name="图片占位符 2">
             <a:extLst>
               <a:ext uri="{FF2B5EF4-FFF2-40B4-BE49-F238E27FC236}">
-                <a16:creationId xmlns:a16="http://schemas.microsoft.com/office/drawing/2014/main" id="{8385CDDD-F3ED-6E0B-4CAF-34D99309D2E1}"/>
+                <a16:creationId xmlns:a16="http://schemas.microsoft.com/office/drawing/2014/main" id="{6BB06862-5101-A264-80FC-29B4F9BB5F5F}"/>
               </a:ext>
             </a:extLst>
           </p:cNvPr>
@@ -2574,7 +2574,7 @@
           <p:cNvPr id="4" name="文本占位符 3">
             <a:extLst>
               <a:ext uri="{FF2B5EF4-FFF2-40B4-BE49-F238E27FC236}">
-                <a16:creationId xmlns:a16="http://schemas.microsoft.com/office/drawing/2014/main" id="{E7909DFF-B687-DEC4-1B0F-C322C198B136}"/>
+                <a16:creationId xmlns:a16="http://schemas.microsoft.com/office/drawing/2014/main" id="{211767CD-FE4F-A2C0-9145-EDF0C68BFFBA}"/>
               </a:ext>
             </a:extLst>
           </p:cNvPr>
@@ -2645,7 +2645,7 @@
           <p:cNvPr id="5" name="日期占位符 4">
             <a:extLst>
               <a:ext uri="{FF2B5EF4-FFF2-40B4-BE49-F238E27FC236}">
-                <a16:creationId xmlns:a16="http://schemas.microsoft.com/office/drawing/2014/main" id="{F238F56F-C510-6D2B-9BB4-969B14778247}"/>
+                <a16:creationId xmlns:a16="http://schemas.microsoft.com/office/drawing/2014/main" id="{A44ADFAC-B687-945A-004F-175DA43DA0FA}"/>
               </a:ext>
             </a:extLst>
           </p:cNvPr>
@@ -2661,7 +2661,7 @@
           <a:bodyPr/>
           <a:lstStyle/>
           <a:p>
-            <a:fld id="{87FFD4E1-53AF-4CF7-8B5E-285CB4DE077E}" type="datetimeFigureOut">
+            <a:fld id="{B1407C02-36F9-491C-9C98-B4E656758209}" type="datetimeFigureOut">
               <a:rPr lang="zh-CN" altLang="en-US" smtClean="0"/>
               <a:t>2024/3/10</a:t>
             </a:fld>
@@ -2674,7 +2674,7 @@
           <p:cNvPr id="6" name="页脚占位符 5">
             <a:extLst>
               <a:ext uri="{FF2B5EF4-FFF2-40B4-BE49-F238E27FC236}">
-                <a16:creationId xmlns:a16="http://schemas.microsoft.com/office/drawing/2014/main" id="{30CCA3F0-327D-931E-7AAD-23385B2D57E0}"/>
+                <a16:creationId xmlns:a16="http://schemas.microsoft.com/office/drawing/2014/main" id="{8D49A3B0-34B6-AB4D-21FE-514A42F6CC16}"/>
               </a:ext>
             </a:extLst>
           </p:cNvPr>
@@ -2699,7 +2699,7 @@
           <p:cNvPr id="7" name="灯片编号占位符 6">
             <a:extLst>
               <a:ext uri="{FF2B5EF4-FFF2-40B4-BE49-F238E27FC236}">
-                <a16:creationId xmlns:a16="http://schemas.microsoft.com/office/drawing/2014/main" id="{241F80A8-B2FD-2451-24D8-6F92A8B62D2E}"/>
+                <a16:creationId xmlns:a16="http://schemas.microsoft.com/office/drawing/2014/main" id="{B915858E-95DB-1772-C6BD-525AA2F2838A}"/>
               </a:ext>
             </a:extLst>
           </p:cNvPr>
@@ -2715,7 +2715,7 @@
           <a:bodyPr/>
           <a:lstStyle/>
           <a:p>
-            <a:fld id="{297052AE-1F78-45CD-890D-F9AD158097F5}" type="slidenum">
+            <a:fld id="{771EEFB8-303A-4F2A-805A-3ABAB7E5592A}" type="slidenum">
               <a:rPr lang="zh-CN" altLang="en-US" smtClean="0"/>
               <a:t>‹#›</a:t>
             </a:fld>
@@ -2726,7 +2726,7 @@
     </p:spTree>
     <p:extLst>
       <p:ext uri="{BB962C8B-B14F-4D97-AF65-F5344CB8AC3E}">
-        <p14:creationId xmlns:p14="http://schemas.microsoft.com/office/powerpoint/2010/main" val="3471959247"/>
+        <p14:creationId xmlns:p14="http://schemas.microsoft.com/office/powerpoint/2010/main" val="1086284150"/>
       </p:ext>
     </p:extLst>
   </p:cSld>
@@ -2763,7 +2763,7 @@
           <p:cNvPr id="2" name="标题占位符 1">
             <a:extLst>
               <a:ext uri="{FF2B5EF4-FFF2-40B4-BE49-F238E27FC236}">
-                <a16:creationId xmlns:a16="http://schemas.microsoft.com/office/drawing/2014/main" id="{14DC6C75-778F-B57B-74C2-393409EC3872}"/>
+                <a16:creationId xmlns:a16="http://schemas.microsoft.com/office/drawing/2014/main" id="{E287C142-10C9-5925-A05E-B89F116BA91B}"/>
               </a:ext>
             </a:extLst>
           </p:cNvPr>
@@ -2801,7 +2801,7 @@
           <p:cNvPr id="3" name="文本占位符 2">
             <a:extLst>
               <a:ext uri="{FF2B5EF4-FFF2-40B4-BE49-F238E27FC236}">
-                <a16:creationId xmlns:a16="http://schemas.microsoft.com/office/drawing/2014/main" id="{E68EAC47-45EF-DFD2-B647-F3F4DF172686}"/>
+                <a16:creationId xmlns:a16="http://schemas.microsoft.com/office/drawing/2014/main" id="{2669643F-8226-8137-1168-7A915526B676}"/>
               </a:ext>
             </a:extLst>
           </p:cNvPr>
@@ -2868,7 +2868,7 @@
           <p:cNvPr id="4" name="日期占位符 3">
             <a:extLst>
               <a:ext uri="{FF2B5EF4-FFF2-40B4-BE49-F238E27FC236}">
-                <a16:creationId xmlns:a16="http://schemas.microsoft.com/office/drawing/2014/main" id="{BD955300-CFEB-9281-34E2-BC326A8EA6A2}"/>
+                <a16:creationId xmlns:a16="http://schemas.microsoft.com/office/drawing/2014/main" id="{D3AC60DC-F272-02B3-B791-C3E56B7C0D9E}"/>
               </a:ext>
             </a:extLst>
           </p:cNvPr>
@@ -2902,7 +2902,7 @@
             </a:lvl1pPr>
           </a:lstStyle>
           <a:p>
-            <a:fld id="{87FFD4E1-53AF-4CF7-8B5E-285CB4DE077E}" type="datetimeFigureOut">
+            <a:fld id="{B1407C02-36F9-491C-9C98-B4E656758209}" type="datetimeFigureOut">
               <a:rPr lang="zh-CN" altLang="en-US" smtClean="0"/>
               <a:t>2024/3/10</a:t>
             </a:fld>
@@ -2915,7 +2915,7 @@
           <p:cNvPr id="5" name="页脚占位符 4">
             <a:extLst>
               <a:ext uri="{FF2B5EF4-FFF2-40B4-BE49-F238E27FC236}">
-                <a16:creationId xmlns:a16="http://schemas.microsoft.com/office/drawing/2014/main" id="{42749B9A-E530-194C-5595-3FE3B9F467C2}"/>
+                <a16:creationId xmlns:a16="http://schemas.microsoft.com/office/drawing/2014/main" id="{2BAA1572-EE23-E130-CF93-83A50D3840A2}"/>
               </a:ext>
             </a:extLst>
           </p:cNvPr>
@@ -2958,7 +2958,7 @@
           <p:cNvPr id="6" name="灯片编号占位符 5">
             <a:extLst>
               <a:ext uri="{FF2B5EF4-FFF2-40B4-BE49-F238E27FC236}">
-                <a16:creationId xmlns:a16="http://schemas.microsoft.com/office/drawing/2014/main" id="{1E2840E3-D5B7-1D4A-CC2B-927FC51E0730}"/>
+                <a16:creationId xmlns:a16="http://schemas.microsoft.com/office/drawing/2014/main" id="{CBF5C9E5-DC50-0CC3-A03A-FF790870BEAE}"/>
               </a:ext>
             </a:extLst>
           </p:cNvPr>
@@ -2992,7 +2992,7 @@
             </a:lvl1pPr>
           </a:lstStyle>
           <a:p>
-            <a:fld id="{297052AE-1F78-45CD-890D-F9AD158097F5}" type="slidenum">
+            <a:fld id="{771EEFB8-303A-4F2A-805A-3ABAB7E5592A}" type="slidenum">
               <a:rPr lang="zh-CN" altLang="en-US" smtClean="0"/>
               <a:t>‹#›</a:t>
             </a:fld>
@@ -3003,7 +3003,7 @@
     </p:spTree>
     <p:extLst>
       <p:ext uri="{BB962C8B-B14F-4D97-AF65-F5344CB8AC3E}">
-        <p14:creationId xmlns:p14="http://schemas.microsoft.com/office/powerpoint/2010/main" val="3777389930"/>
+        <p14:creationId xmlns:p14="http://schemas.microsoft.com/office/powerpoint/2010/main" val="3728812697"/>
       </p:ext>
     </p:extLst>
   </p:cSld>
@@ -3323,7 +3323,7 @@
       </p:grpSpPr>
       <p:pic>
         <p:nvPicPr>
-          <p:cNvPr id="1457154" name="Picture 2" descr="1422"/>
+          <p:cNvPr id="1458178" name="Picture 2" descr="1423"/>
           <p:cNvPicPr>
             <a:picLocks noChangeAspect="1" noChangeArrowheads="1"/>
           </p:cNvPicPr>
@@ -3344,8 +3344,8 @@
         </p:blipFill>
         <p:spPr bwMode="auto">
           <a:xfrm>
-            <a:off x="1524000" y="0"/>
-            <a:ext cx="9144000" cy="6858000"/>
+            <a:off x="1543050" y="0"/>
+            <a:ext cx="9124950" cy="6381750"/>
           </a:xfrm>
           <a:prstGeom prst="rect">
             <a:avLst/>
